--- a/Project/Presentation/Presentation.pptx
+++ b/Project/Presentation/Presentation.pptx
@@ -5,7 +5,7 @@
     <p:sldMasterId id="2147483662" r:id="rId1"/>
   </p:sldMasterIdLst>
   <p:notesMasterIdLst>
-    <p:notesMasterId r:id="rId13"/>
+    <p:notesMasterId r:id="rId15"/>
   </p:notesMasterIdLst>
   <p:sldIdLst>
     <p:sldId id="256" r:id="rId2"/>
@@ -17,8 +17,10 @@
     <p:sldId id="262" r:id="rId8"/>
     <p:sldId id="264" r:id="rId9"/>
     <p:sldId id="263" r:id="rId10"/>
-    <p:sldId id="265" r:id="rId11"/>
-    <p:sldId id="266" r:id="rId12"/>
+    <p:sldId id="267" r:id="rId11"/>
+    <p:sldId id="268" r:id="rId12"/>
+    <p:sldId id="265" r:id="rId13"/>
+    <p:sldId id="266" r:id="rId14"/>
   </p:sldIdLst>
   <p:sldSz cx="9144000" cy="5143500" type="screen16x9"/>
   <p:notesSz cx="6858000" cy="9144000"/>
@@ -9115,6 +9117,292 @@
   <p:cSld>
     <p:spTree>
       <p:nvGrpSpPr>
+        <p:cNvPr id="1" name=""/>
+        <p:cNvGrpSpPr/>
+        <p:nvPr/>
+      </p:nvGrpSpPr>
+      <p:grpSpPr>
+        <a:xfrm>
+          <a:off x="0" y="0"/>
+          <a:ext cx="0" cy="0"/>
+          <a:chOff x="0" y="0"/>
+          <a:chExt cx="0" cy="0"/>
+        </a:xfrm>
+      </p:grpSpPr>
+      <p:sp>
+        <p:nvSpPr>
+          <p:cNvPr id="2" name="Заголовок 1">
+            <a:extLst>
+              <a:ext uri="{FF2B5EF4-FFF2-40B4-BE49-F238E27FC236}">
+                <a16:creationId xmlns:a16="http://schemas.microsoft.com/office/drawing/2014/main" id="{F13FA2D2-C05F-457C-A4A5-7D5CC044DAB3}"/>
+              </a:ext>
+            </a:extLst>
+          </p:cNvPr>
+          <p:cNvSpPr>
+            <a:spLocks noGrp="1"/>
+          </p:cNvSpPr>
+          <p:nvPr>
+            <p:ph type="title"/>
+          </p:nvPr>
+        </p:nvSpPr>
+        <p:spPr/>
+        <p:txBody>
+          <a:bodyPr/>
+          <a:lstStyle/>
+          <a:p>
+            <a:r>
+              <a:rPr lang="ru" sz="3200" dirty="0"/>
+              <a:t>Что получилось</a:t>
+            </a:r>
+            <a:endParaRPr lang="ru-RU" dirty="0"/>
+          </a:p>
+        </p:txBody>
+      </p:sp>
+      <p:sp>
+        <p:nvSpPr>
+          <p:cNvPr id="4" name="TextBox 3">
+            <a:extLst>
+              <a:ext uri="{FF2B5EF4-FFF2-40B4-BE49-F238E27FC236}">
+                <a16:creationId xmlns:a16="http://schemas.microsoft.com/office/drawing/2014/main" id="{D796D77D-5B3F-477E-BFA1-F00E4D635C6D}"/>
+              </a:ext>
+            </a:extLst>
+          </p:cNvPr>
+          <p:cNvSpPr txBox="1"/>
+          <p:nvPr/>
+        </p:nvSpPr>
+        <p:spPr>
+          <a:xfrm>
+            <a:off x="604396" y="1025911"/>
+            <a:ext cx="4572000" cy="307777"/>
+          </a:xfrm>
+          <a:prstGeom prst="rect">
+            <a:avLst/>
+          </a:prstGeom>
+          <a:noFill/>
+        </p:spPr>
+        <p:txBody>
+          <a:bodyPr wrap="square">
+            <a:spAutoFit/>
+          </a:bodyPr>
+          <a:lstStyle/>
+          <a:p>
+            <a:r>
+              <a:rPr lang="en-US" dirty="0"/>
+              <a:t>2. </a:t>
+            </a:r>
+            <a:r>
+              <a:rPr lang="ru-RU" dirty="0"/>
+              <a:t>Каждый клиент в собственном </a:t>
+            </a:r>
+            <a:r>
+              <a:rPr lang="en-US" dirty="0"/>
+              <a:t>VRF</a:t>
+            </a:r>
+            <a:endParaRPr lang="ru-RU" dirty="0"/>
+          </a:p>
+        </p:txBody>
+      </p:sp>
+      <p:pic>
+        <p:nvPicPr>
+          <p:cNvPr id="6" name="Рисунок 5">
+            <a:extLst>
+              <a:ext uri="{FF2B5EF4-FFF2-40B4-BE49-F238E27FC236}">
+                <a16:creationId xmlns:a16="http://schemas.microsoft.com/office/drawing/2014/main" id="{FDAB9BE9-A8D8-4660-9715-70B2FCB90493}"/>
+              </a:ext>
+            </a:extLst>
+          </p:cNvPr>
+          <p:cNvPicPr>
+            <a:picLocks noChangeAspect="1"/>
+          </p:cNvPicPr>
+          <p:nvPr/>
+        </p:nvPicPr>
+        <p:blipFill>
+          <a:blip r:embed="rId2"/>
+          <a:stretch>
+            <a:fillRect/>
+          </a:stretch>
+        </p:blipFill>
+        <p:spPr>
+          <a:xfrm>
+            <a:off x="698067" y="1493533"/>
+            <a:ext cx="4938516" cy="2868824"/>
+          </a:xfrm>
+          <a:prstGeom prst="rect">
+            <a:avLst/>
+          </a:prstGeom>
+        </p:spPr>
+      </p:pic>
+    </p:spTree>
+    <p:extLst>
+      <p:ext uri="{BB962C8B-B14F-4D97-AF65-F5344CB8AC3E}">
+        <p14:creationId xmlns:p14="http://schemas.microsoft.com/office/powerpoint/2010/main" val="3844846914"/>
+      </p:ext>
+    </p:extLst>
+  </p:cSld>
+  <p:clrMapOvr>
+    <a:masterClrMapping/>
+  </p:clrMapOvr>
+</p:sld>
+</file>
+
+<file path=ppt/slides/slide11.xml><?xml version="1.0" encoding="utf-8"?>
+<p:sld xmlns:a="http://schemas.openxmlformats.org/drawingml/2006/main" xmlns:r="http://schemas.openxmlformats.org/officeDocument/2006/relationships" xmlns:p="http://schemas.openxmlformats.org/presentationml/2006/main">
+  <p:cSld>
+    <p:spTree>
+      <p:nvGrpSpPr>
+        <p:cNvPr id="1" name=""/>
+        <p:cNvGrpSpPr/>
+        <p:nvPr/>
+      </p:nvGrpSpPr>
+      <p:grpSpPr>
+        <a:xfrm>
+          <a:off x="0" y="0"/>
+          <a:ext cx="0" cy="0"/>
+          <a:chOff x="0" y="0"/>
+          <a:chExt cx="0" cy="0"/>
+        </a:xfrm>
+      </p:grpSpPr>
+      <p:sp>
+        <p:nvSpPr>
+          <p:cNvPr id="2" name="Заголовок 1">
+            <a:extLst>
+              <a:ext uri="{FF2B5EF4-FFF2-40B4-BE49-F238E27FC236}">
+                <a16:creationId xmlns:a16="http://schemas.microsoft.com/office/drawing/2014/main" id="{12A32C5B-6F7E-4FE9-90AF-F8A283E37B04}"/>
+              </a:ext>
+            </a:extLst>
+          </p:cNvPr>
+          <p:cNvSpPr>
+            <a:spLocks noGrp="1"/>
+          </p:cNvSpPr>
+          <p:nvPr>
+            <p:ph type="title"/>
+          </p:nvPr>
+        </p:nvSpPr>
+        <p:spPr/>
+        <p:txBody>
+          <a:bodyPr/>
+          <a:lstStyle/>
+          <a:p>
+            <a:r>
+              <a:rPr lang="ru-RU" dirty="0"/>
+              <a:t>Что получилось</a:t>
+            </a:r>
+          </a:p>
+        </p:txBody>
+      </p:sp>
+      <p:sp>
+        <p:nvSpPr>
+          <p:cNvPr id="3" name="TextBox 2">
+            <a:extLst>
+              <a:ext uri="{FF2B5EF4-FFF2-40B4-BE49-F238E27FC236}">
+                <a16:creationId xmlns:a16="http://schemas.microsoft.com/office/drawing/2014/main" id="{7F8C4539-75F5-44ED-B83E-6E65EA26B82F}"/>
+              </a:ext>
+            </a:extLst>
+          </p:cNvPr>
+          <p:cNvSpPr txBox="1"/>
+          <p:nvPr/>
+        </p:nvSpPr>
+        <p:spPr>
+          <a:xfrm>
+            <a:off x="463891" y="985768"/>
+            <a:ext cx="3728968" cy="307777"/>
+          </a:xfrm>
+          <a:prstGeom prst="rect">
+            <a:avLst/>
+          </a:prstGeom>
+          <a:noFill/>
+        </p:spPr>
+        <p:txBody>
+          <a:bodyPr wrap="square" rtlCol="0">
+            <a:spAutoFit/>
+          </a:bodyPr>
+          <a:lstStyle/>
+          <a:p>
+            <a:r>
+              <a:rPr lang="ru-RU" dirty="0"/>
+              <a:t>3. Маршрутизация через 2 разных шлюза</a:t>
+            </a:r>
+          </a:p>
+        </p:txBody>
+      </p:sp>
+      <p:pic>
+        <p:nvPicPr>
+          <p:cNvPr id="5" name="Рисунок 4">
+            <a:extLst>
+              <a:ext uri="{FF2B5EF4-FFF2-40B4-BE49-F238E27FC236}">
+                <a16:creationId xmlns:a16="http://schemas.microsoft.com/office/drawing/2014/main" id="{DFA9DBD3-DFFB-4CFD-9C1D-F323519AA6C1}"/>
+              </a:ext>
+            </a:extLst>
+          </p:cNvPr>
+          <p:cNvPicPr>
+            <a:picLocks noChangeAspect="1"/>
+          </p:cNvPicPr>
+          <p:nvPr/>
+        </p:nvPicPr>
+        <p:blipFill>
+          <a:blip r:embed="rId2"/>
+          <a:stretch>
+            <a:fillRect/>
+          </a:stretch>
+        </p:blipFill>
+        <p:spPr>
+          <a:xfrm>
+            <a:off x="410365" y="1720904"/>
+            <a:ext cx="4595277" cy="2791848"/>
+          </a:xfrm>
+          <a:prstGeom prst="rect">
+            <a:avLst/>
+          </a:prstGeom>
+        </p:spPr>
+      </p:pic>
+      <p:pic>
+        <p:nvPicPr>
+          <p:cNvPr id="7" name="Рисунок 6">
+            <a:extLst>
+              <a:ext uri="{FF2B5EF4-FFF2-40B4-BE49-F238E27FC236}">
+                <a16:creationId xmlns:a16="http://schemas.microsoft.com/office/drawing/2014/main" id="{51779975-138F-4446-91C5-5854676E2947}"/>
+              </a:ext>
+            </a:extLst>
+          </p:cNvPr>
+          <p:cNvPicPr>
+            <a:picLocks noChangeAspect="1"/>
+          </p:cNvPicPr>
+          <p:nvPr/>
+        </p:nvPicPr>
+        <p:blipFill>
+          <a:blip r:embed="rId3"/>
+          <a:stretch>
+            <a:fillRect/>
+          </a:stretch>
+        </p:blipFill>
+        <p:spPr>
+          <a:xfrm>
+            <a:off x="5432873" y="1364909"/>
+            <a:ext cx="2623446" cy="3305165"/>
+          </a:xfrm>
+          <a:prstGeom prst="rect">
+            <a:avLst/>
+          </a:prstGeom>
+        </p:spPr>
+      </p:pic>
+    </p:spTree>
+    <p:extLst>
+      <p:ext uri="{BB962C8B-B14F-4D97-AF65-F5344CB8AC3E}">
+        <p14:creationId xmlns:p14="http://schemas.microsoft.com/office/powerpoint/2010/main" val="1719248238"/>
+      </p:ext>
+    </p:extLst>
+  </p:cSld>
+  <p:clrMapOvr>
+    <a:masterClrMapping/>
+  </p:clrMapOvr>
+</p:sld>
+</file>
+
+<file path=ppt/slides/slide12.xml><?xml version="1.0" encoding="utf-8"?>
+<p:sld xmlns:a="http://schemas.openxmlformats.org/drawingml/2006/main" xmlns:r="http://schemas.openxmlformats.org/officeDocument/2006/relationships" xmlns:p="http://schemas.openxmlformats.org/presentationml/2006/main">
+  <p:cSld>
+    <p:spTree>
+      <p:nvGrpSpPr>
         <p:cNvPr id="1" name="Shape 140"/>
         <p:cNvGrpSpPr/>
         <p:nvPr/>
@@ -9209,11 +9497,17 @@
         <p:nvGraphicFramePr>
           <p:cNvPr id="142" name="Google Shape;142;p25"/>
           <p:cNvGraphicFramePr/>
-          <p:nvPr/>
+          <p:nvPr>
+            <p:extLst>
+              <p:ext uri="{D42A27DB-BD31-4B8C-83A1-F6EECF244321}">
+                <p14:modId xmlns:p14="http://schemas.microsoft.com/office/powerpoint/2010/main" val="2514256903"/>
+              </p:ext>
+            </p:extLst>
+          </p:nvPr>
         </p:nvGraphicFramePr>
         <p:xfrm>
           <a:off x="952500" y="1544194"/>
-          <a:ext cx="7239000" cy="1397216"/>
+          <a:ext cx="7239000" cy="2536406"/>
         </p:xfrm>
         <a:graphic>
           <a:graphicData uri="http://schemas.openxmlformats.org/drawingml/2006/table">
@@ -9338,7 +9632,34 @@
                         </a:spcAft>
                         <a:buNone/>
                       </a:pPr>
-                      <a:endParaRPr sz="1300">
+                      <a:r>
+                        <a:rPr lang="ru-RU" sz="1300" dirty="0">
+                          <a:latin typeface="Roboto"/>
+                          <a:ea typeface="Roboto"/>
+                          <a:cs typeface="Roboto"/>
+                          <a:sym typeface="Roboto"/>
+                        </a:rPr>
+                        <a:t>Получилось организовать отказоустойчивость как на подключения к </a:t>
+                      </a:r>
+                      <a:r>
+                        <a:rPr lang="en-US" sz="1300" dirty="0">
+                          <a:latin typeface="Roboto"/>
+                          <a:ea typeface="Roboto"/>
+                          <a:cs typeface="Roboto"/>
+                          <a:sym typeface="Roboto"/>
+                        </a:rPr>
+                        <a:t>leaf</a:t>
+                      </a:r>
+                      <a:r>
+                        <a:rPr lang="ru-RU" sz="1300" dirty="0">
+                          <a:latin typeface="Roboto"/>
+                          <a:ea typeface="Roboto"/>
+                          <a:cs typeface="Roboto"/>
+                          <a:sym typeface="Roboto"/>
+                        </a:rPr>
+                        <a:t> так и  маршрутизации</a:t>
+                      </a:r>
+                      <a:endParaRPr sz="1300" dirty="0">
                         <a:latin typeface="Roboto"/>
                         <a:ea typeface="Roboto"/>
                         <a:cs typeface="Roboto"/>
@@ -9413,7 +9734,7 @@
                         <a:buNone/>
                       </a:pPr>
                       <a:r>
-                        <a:rPr lang="ru" sz="1300" b="1">
+                        <a:rPr lang="ru" sz="1300" b="1" dirty="0">
                           <a:solidFill>
                             <a:srgbClr val="FF9900"/>
                           </a:solidFill>
@@ -9424,7 +9745,7 @@
                         </a:rPr>
                         <a:t>2.</a:t>
                       </a:r>
-                      <a:endParaRPr sz="1300" b="1">
+                      <a:endParaRPr sz="1300" b="1" dirty="0">
                         <a:solidFill>
                           <a:srgbClr val="FF9900"/>
                         </a:solidFill>
@@ -9495,7 +9816,34 @@
                         </a:spcAft>
                         <a:buNone/>
                       </a:pPr>
-                      <a:endParaRPr sz="1300">
+                      <a:r>
+                        <a:rPr lang="ru-RU" sz="1300" dirty="0">
+                          <a:latin typeface="Roboto"/>
+                          <a:ea typeface="Roboto"/>
+                          <a:cs typeface="Roboto"/>
+                          <a:sym typeface="Roboto"/>
+                        </a:rPr>
+                        <a:t>В лабораторной не получилось корректно проверить переключение линка на сервере при отключении одного из </a:t>
+                      </a:r>
+                      <a:r>
+                        <a:rPr lang="en-US" sz="1300" dirty="0">
+                          <a:latin typeface="Roboto"/>
+                          <a:ea typeface="Roboto"/>
+                          <a:cs typeface="Roboto"/>
+                          <a:sym typeface="Roboto"/>
+                        </a:rPr>
+                        <a:t>leaf</a:t>
+                      </a:r>
+                      <a:r>
+                        <a:rPr lang="ru-RU" sz="1300" dirty="0">
+                          <a:latin typeface="Roboto"/>
+                          <a:ea typeface="Roboto"/>
+                          <a:cs typeface="Roboto"/>
+                          <a:sym typeface="Roboto"/>
+                        </a:rPr>
+                        <a:t>, не хватает производительности ПК. Зависает в моменты переключения.</a:t>
+                      </a:r>
+                      <a:endParaRPr sz="1300" dirty="0">
                         <a:latin typeface="Roboto"/>
                         <a:ea typeface="Roboto"/>
                         <a:cs typeface="Roboto"/>
@@ -9650,7 +9998,16 @@
                         </a:spcAft>
                         <a:buNone/>
                       </a:pPr>
-                      <a:endParaRPr sz="1300">
+                      <a:r>
+                        <a:rPr lang="ru-RU" sz="1300" dirty="0">
+                          <a:latin typeface="Roboto"/>
+                          <a:ea typeface="Roboto"/>
+                          <a:cs typeface="Roboto"/>
+                          <a:sym typeface="Roboto"/>
+                        </a:rPr>
+                        <a:t>Переключение маршрутов проходит быстро, потери составляют пять – шесть пакетов.</a:t>
+                      </a:r>
+                      <a:endParaRPr sz="1300" dirty="0">
                         <a:latin typeface="Roboto"/>
                         <a:ea typeface="Roboto"/>
                         <a:cs typeface="Roboto"/>
@@ -9805,7 +10162,52 @@
                         </a:spcAft>
                         <a:buNone/>
                       </a:pPr>
-                      <a:endParaRPr sz="1300">
+                      <a:r>
+                        <a:rPr lang="ru-RU" sz="1300" dirty="0">
+                          <a:latin typeface="Roboto"/>
+                          <a:ea typeface="Roboto"/>
+                          <a:cs typeface="Roboto"/>
+                          <a:sym typeface="Roboto"/>
+                        </a:rPr>
+                        <a:t>Необходимо разобраться с таймингами в </a:t>
+                      </a:r>
+                      <a:r>
+                        <a:rPr lang="en-US" sz="1300" dirty="0">
+                          <a:latin typeface="Roboto"/>
+                          <a:ea typeface="Roboto"/>
+                          <a:cs typeface="Roboto"/>
+                          <a:sym typeface="Roboto"/>
+                        </a:rPr>
+                        <a:t>MLAG </a:t>
+                      </a:r>
+                      <a:r>
+                        <a:rPr lang="ru-RU" sz="1300" dirty="0">
+                          <a:latin typeface="Roboto"/>
+                          <a:ea typeface="Roboto"/>
+                          <a:cs typeface="Roboto"/>
+                          <a:sym typeface="Roboto"/>
+                        </a:rPr>
+                        <a:t>чтобы переключение между </a:t>
+                      </a:r>
+                      <a:r>
+                        <a:rPr lang="en-US" sz="1300" dirty="0">
+                          <a:latin typeface="Roboto"/>
+                          <a:ea typeface="Roboto"/>
+                          <a:cs typeface="Roboto"/>
+                          <a:sym typeface="Roboto"/>
+                        </a:rPr>
+                        <a:t>leaf</a:t>
+                      </a:r>
+                      <a:r>
+                        <a:rPr lang="ru-RU" sz="1300" dirty="0">
+                          <a:latin typeface="Roboto"/>
+                          <a:ea typeface="Roboto"/>
+                          <a:cs typeface="Roboto"/>
+                          <a:sym typeface="Roboto"/>
+                        </a:rPr>
+                        <a:t> проходило быстрее.</a:t>
+                      </a:r>
+                      <a:endParaRPr sz="1300" dirty="0">
                         <a:latin typeface="Roboto"/>
                         <a:ea typeface="Roboto"/>
                         <a:cs typeface="Roboto"/>
@@ -9866,75 +10268,6 @@
           </a:graphicData>
         </a:graphic>
       </p:graphicFrame>
-      <p:sp>
-        <p:nvSpPr>
-          <p:cNvPr id="143" name="Google Shape;143;p25"/>
-          <p:cNvSpPr/>
-          <p:nvPr/>
-        </p:nvSpPr>
-        <p:spPr>
-          <a:xfrm>
-            <a:off x="4934400" y="3763050"/>
-            <a:ext cx="3257100" cy="644700"/>
-          </a:xfrm>
-          <a:prstGeom prst="wedgeRectCallout">
-            <a:avLst>
-              <a:gd name="adj1" fmla="val -32765"/>
-              <a:gd name="adj2" fmla="val -96401"/>
-            </a:avLst>
-          </a:prstGeom>
-          <a:solidFill>
-            <a:srgbClr val="F3F3F3"/>
-          </a:solidFill>
-          <a:ln w="9525" cap="flat" cmpd="sng">
-            <a:solidFill>
-              <a:schemeClr val="dk1"/>
-            </a:solidFill>
-            <a:prstDash val="solid"/>
-            <a:round/>
-            <a:headEnd type="none" w="sm" len="sm"/>
-            <a:tailEnd type="none" w="sm" len="sm"/>
-          </a:ln>
-        </p:spPr>
-        <p:txBody>
-          <a:bodyPr spcFirstLastPara="1" wrap="square" lIns="198000" tIns="126000" rIns="198000" bIns="126000" anchor="ctr" anchorCtr="0">
-            <a:noAutofit/>
-          </a:bodyPr>
-          <a:lstStyle/>
-          <a:p>
-            <a:pPr marL="0" lvl="0" indent="0" algn="l" rtl="0">
-              <a:spcBef>
-                <a:spcPts val="600"/>
-              </a:spcBef>
-              <a:spcAft>
-                <a:spcPts val="0"/>
-              </a:spcAft>
-              <a:buNone/>
-            </a:pPr>
-            <a:r>
-              <a:rPr lang="ru" sz="1100">
-                <a:solidFill>
-                  <a:schemeClr val="dk1"/>
-                </a:solidFill>
-                <a:latin typeface="Roboto"/>
-                <a:ea typeface="Roboto"/>
-                <a:cs typeface="Roboto"/>
-                <a:sym typeface="Roboto"/>
-              </a:rPr>
-              <a:t>Запланируйте пару минут на рефлексию в конце защиты проекта и расскажите о планах по развитию</a:t>
-            </a:r>
-            <a:endParaRPr sz="700">
-              <a:solidFill>
-                <a:schemeClr val="dk1"/>
-              </a:solidFill>
-              <a:latin typeface="Roboto"/>
-              <a:ea typeface="Roboto"/>
-              <a:cs typeface="Roboto"/>
-              <a:sym typeface="Roboto"/>
-            </a:endParaRPr>
-          </a:p>
-        </p:txBody>
-      </p:sp>
     </p:spTree>
   </p:cSld>
   <p:clrMapOvr>
@@ -9943,7 +10276,7 @@
 </p:sld>
 </file>
 
-<file path=ppt/slides/slide11.xml><?xml version="1.0" encoding="utf-8"?>
+<file path=ppt/slides/slide13.xml><?xml version="1.0" encoding="utf-8"?>
 <p:sld xmlns:a="http://schemas.openxmlformats.org/drawingml/2006/main" xmlns:r="http://schemas.openxmlformats.org/officeDocument/2006/relationships" xmlns:p="http://schemas.openxmlformats.org/presentationml/2006/main">
   <p:cSld>
     <p:spTree>
@@ -13481,10 +13814,10 @@
               <a:buNone/>
             </a:pPr>
             <a:r>
-              <a:rPr lang="ru" sz="3000"/>
+              <a:rPr lang="ru" sz="3000" dirty="0"/>
               <a:t>Что получилось</a:t>
             </a:r>
-            <a:endParaRPr sz="3000"/>
+            <a:endParaRPr sz="3000" dirty="0"/>
           </a:p>
         </p:txBody>
       </p:sp>
@@ -13496,8 +13829,8 @@
         </p:nvSpPr>
         <p:spPr>
           <a:xfrm>
-            <a:off x="552675" y="1264350"/>
-            <a:ext cx="3921600" cy="3486300"/>
+            <a:off x="552674" y="1264350"/>
+            <a:ext cx="8468475" cy="3677870"/>
           </a:xfrm>
           <a:prstGeom prst="rect">
             <a:avLst/>
@@ -13567,7 +13900,7 @@
               <a:t>при помощи технологий </a:t>
             </a:r>
             <a:r>
-              <a:rPr lang="en-US">
+              <a:rPr lang="en-US" dirty="0">
                 <a:solidFill>
                   <a:srgbClr val="000000"/>
                 </a:solidFill>
@@ -13579,7 +13912,7 @@
               <a:t>MLAG</a:t>
             </a:r>
             <a:r>
-              <a:rPr lang="en-US">
+              <a:rPr lang="en-US" dirty="0">
                 <a:latin typeface="Roboto"/>
                 <a:ea typeface="Roboto"/>
                 <a:cs typeface="Roboto"/>
@@ -13648,6 +13981,66 @@
           </a:p>
         </p:txBody>
       </p:sp>
+      <p:pic>
+        <p:nvPicPr>
+          <p:cNvPr id="3" name="Рисунок 2">
+            <a:extLst>
+              <a:ext uri="{FF2B5EF4-FFF2-40B4-BE49-F238E27FC236}">
+                <a16:creationId xmlns:a16="http://schemas.microsoft.com/office/drawing/2014/main" id="{EF4F5A1D-2D64-48F0-A9AB-A1FCABF4CAB0}"/>
+              </a:ext>
+            </a:extLst>
+          </p:cNvPr>
+          <p:cNvPicPr>
+            <a:picLocks noChangeAspect="1"/>
+          </p:cNvPicPr>
+          <p:nvPr/>
+        </p:nvPicPr>
+        <p:blipFill>
+          <a:blip r:embed="rId3"/>
+          <a:stretch>
+            <a:fillRect/>
+          </a:stretch>
+        </p:blipFill>
+        <p:spPr>
+          <a:xfrm>
+            <a:off x="714995" y="1931390"/>
+            <a:ext cx="3596959" cy="2947341"/>
+          </a:xfrm>
+          <a:prstGeom prst="rect">
+            <a:avLst/>
+          </a:prstGeom>
+        </p:spPr>
+      </p:pic>
+      <p:pic>
+        <p:nvPicPr>
+          <p:cNvPr id="5" name="Рисунок 4">
+            <a:extLst>
+              <a:ext uri="{FF2B5EF4-FFF2-40B4-BE49-F238E27FC236}">
+                <a16:creationId xmlns:a16="http://schemas.microsoft.com/office/drawing/2014/main" id="{5543BBAB-1400-4FE7-AB8C-8DCE7ABEBB09}"/>
+              </a:ext>
+            </a:extLst>
+          </p:cNvPr>
+          <p:cNvPicPr>
+            <a:picLocks noChangeAspect="1"/>
+          </p:cNvPicPr>
+          <p:nvPr/>
+        </p:nvPicPr>
+        <p:blipFill>
+          <a:blip r:embed="rId4"/>
+          <a:stretch>
+            <a:fillRect/>
+          </a:stretch>
+        </p:blipFill>
+        <p:spPr>
+          <a:xfrm>
+            <a:off x="4532262" y="1922092"/>
+            <a:ext cx="3197764" cy="2963667"/>
+          </a:xfrm>
+          <a:prstGeom prst="rect">
+            <a:avLst/>
+          </a:prstGeom>
+        </p:spPr>
+      </p:pic>
     </p:spTree>
   </p:cSld>
   <p:clrMapOvr>
